--- a/Projektpräsentation.pptx
+++ b/Projektpräsentation.pptx
@@ -264,7 +264,7 @@
           <a:p>
             <a:fld id="{701D1AFB-70AD-4740-A1CA-0A8A4C7D88BC}" type="datetimeFigureOut">
               <a:rPr lang="de-DE" smtClean="0"/>
-              <a:t>05. Dez. 2018</a:t>
+              <a:t>05.12.2018</a:t>
             </a:fld>
             <a:endParaRPr lang="de-DE"/>
           </a:p>
@@ -462,7 +462,7 @@
           <a:p>
             <a:fld id="{701D1AFB-70AD-4740-A1CA-0A8A4C7D88BC}" type="datetimeFigureOut">
               <a:rPr lang="de-DE" smtClean="0"/>
-              <a:t>05. Dez. 2018</a:t>
+              <a:t>05.12.2018</a:t>
             </a:fld>
             <a:endParaRPr lang="de-DE"/>
           </a:p>
@@ -670,7 +670,7 @@
           <a:p>
             <a:fld id="{701D1AFB-70AD-4740-A1CA-0A8A4C7D88BC}" type="datetimeFigureOut">
               <a:rPr lang="de-DE" smtClean="0"/>
-              <a:t>05. Dez. 2018</a:t>
+              <a:t>05.12.2018</a:t>
             </a:fld>
             <a:endParaRPr lang="de-DE"/>
           </a:p>
@@ -868,7 +868,7 @@
           <a:p>
             <a:fld id="{701D1AFB-70AD-4740-A1CA-0A8A4C7D88BC}" type="datetimeFigureOut">
               <a:rPr lang="de-DE" smtClean="0"/>
-              <a:t>05. Dez. 2018</a:t>
+              <a:t>05.12.2018</a:t>
             </a:fld>
             <a:endParaRPr lang="de-DE"/>
           </a:p>
@@ -1143,7 +1143,7 @@
           <a:p>
             <a:fld id="{701D1AFB-70AD-4740-A1CA-0A8A4C7D88BC}" type="datetimeFigureOut">
               <a:rPr lang="de-DE" smtClean="0"/>
-              <a:t>05. Dez. 2018</a:t>
+              <a:t>05.12.2018</a:t>
             </a:fld>
             <a:endParaRPr lang="de-DE"/>
           </a:p>
@@ -1408,7 +1408,7 @@
           <a:p>
             <a:fld id="{701D1AFB-70AD-4740-A1CA-0A8A4C7D88BC}" type="datetimeFigureOut">
               <a:rPr lang="de-DE" smtClean="0"/>
-              <a:t>05. Dez. 2018</a:t>
+              <a:t>05.12.2018</a:t>
             </a:fld>
             <a:endParaRPr lang="de-DE"/>
           </a:p>
@@ -1820,7 +1820,7 @@
           <a:p>
             <a:fld id="{701D1AFB-70AD-4740-A1CA-0A8A4C7D88BC}" type="datetimeFigureOut">
               <a:rPr lang="de-DE" smtClean="0"/>
-              <a:t>05. Dez. 2018</a:t>
+              <a:t>05.12.2018</a:t>
             </a:fld>
             <a:endParaRPr lang="de-DE"/>
           </a:p>
@@ -1961,7 +1961,7 @@
           <a:p>
             <a:fld id="{701D1AFB-70AD-4740-A1CA-0A8A4C7D88BC}" type="datetimeFigureOut">
               <a:rPr lang="de-DE" smtClean="0"/>
-              <a:t>05. Dez. 2018</a:t>
+              <a:t>05.12.2018</a:t>
             </a:fld>
             <a:endParaRPr lang="de-DE"/>
           </a:p>
@@ -2074,7 +2074,7 @@
           <a:p>
             <a:fld id="{701D1AFB-70AD-4740-A1CA-0A8A4C7D88BC}" type="datetimeFigureOut">
               <a:rPr lang="de-DE" smtClean="0"/>
-              <a:t>05. Dez. 2018</a:t>
+              <a:t>05.12.2018</a:t>
             </a:fld>
             <a:endParaRPr lang="de-DE"/>
           </a:p>
@@ -2385,7 +2385,7 @@
           <a:p>
             <a:fld id="{701D1AFB-70AD-4740-A1CA-0A8A4C7D88BC}" type="datetimeFigureOut">
               <a:rPr lang="de-DE" smtClean="0"/>
-              <a:t>05. Dez. 2018</a:t>
+              <a:t>05.12.2018</a:t>
             </a:fld>
             <a:endParaRPr lang="de-DE"/>
           </a:p>
@@ -2673,7 +2673,7 @@
           <a:p>
             <a:fld id="{701D1AFB-70AD-4740-A1CA-0A8A4C7D88BC}" type="datetimeFigureOut">
               <a:rPr lang="de-DE" smtClean="0"/>
-              <a:t>05. Dez. 2018</a:t>
+              <a:t>05.12.2018</a:t>
             </a:fld>
             <a:endParaRPr lang="de-DE"/>
           </a:p>
@@ -2914,7 +2914,7 @@
           <a:p>
             <a:fld id="{701D1AFB-70AD-4740-A1CA-0A8A4C7D88BC}" type="datetimeFigureOut">
               <a:rPr lang="de-DE" smtClean="0"/>
-              <a:t>05. Dez. 2018</a:t>
+              <a:t>05.12.2018</a:t>
             </a:fld>
             <a:endParaRPr lang="de-DE"/>
           </a:p>
@@ -3352,7 +3352,15 @@
           <a:bodyPr/>
           <a:lstStyle/>
           <a:p>
-            <a:endParaRPr lang="de-DE"/>
+            <a:r>
+              <a:rPr lang="de-DE" dirty="0"/>
+              <a:t>Project </a:t>
+            </a:r>
+            <a:r>
+              <a:rPr lang="de-DE" dirty="0" err="1"/>
+              <a:t>presentation</a:t>
+            </a:r>
+            <a:endParaRPr lang="de-DE" dirty="0"/>
           </a:p>
         </p:txBody>
       </p:sp>
@@ -3377,7 +3385,16 @@
           <a:bodyPr/>
           <a:lstStyle/>
           <a:p>
-            <a:endParaRPr lang="de-DE"/>
+            <a:r>
+              <a:rPr lang="de-DE" dirty="0"/>
+              <a:t>Web Technologies</a:t>
+            </a:r>
+          </a:p>
+          <a:p>
+            <a:r>
+              <a:rPr lang="de-DE" dirty="0"/>
+              <a:t>Winter Semester 2018/2019</a:t>
+            </a:r>
           </a:p>
         </p:txBody>
       </p:sp>
@@ -3486,7 +3503,7 @@
             </a:r>
             <a:r>
               <a:rPr lang="de-DE" dirty="0"/>
-              <a:t>echnologien </a:t>
+              <a:t>echnologies </a:t>
             </a:r>
           </a:p>
           <a:p>
@@ -3496,7 +3513,7 @@
             </a:r>
             <a:r>
               <a:rPr lang="de-DE" dirty="0"/>
-              <a:t>roblem</a:t>
+              <a:t>roblems</a:t>
             </a:r>
           </a:p>
         </p:txBody>
@@ -3620,14 +3637,14 @@
           <p:nvPr>
             <p:extLst>
               <p:ext uri="{D42A27DB-BD31-4B8C-83A1-F6EECF244321}">
-                <p14:modId xmlns:p14="http://schemas.microsoft.com/office/powerpoint/2010/main" val="631479363"/>
+                <p14:modId xmlns:p14="http://schemas.microsoft.com/office/powerpoint/2010/main" val="3722591561"/>
               </p:ext>
             </p:extLst>
           </p:nvPr>
         </p:nvGraphicFramePr>
         <p:xfrm>
           <a:off x="838200" y="2522976"/>
-          <a:ext cx="10204402" cy="3787490"/>
+          <a:ext cx="10204402" cy="3791775"/>
         </p:xfrm>
         <a:graphic>
           <a:graphicData uri="http://schemas.openxmlformats.org/drawingml/2006/table">
@@ -3716,6 +3733,14 @@
                         <a:rPr lang="de-DE" dirty="0"/>
                         <a:t> different </a:t>
                       </a:r>
+                      <a:r>
+                        <a:rPr lang="de-DE" dirty="0" err="1"/>
+                        <a:t>measures</a:t>
+                      </a:r>
+                      <a:r>
+                        <a:rPr lang="de-DE" dirty="0"/>
+                        <a:t> </a:t>
+                      </a:r>
                     </a:p>
                   </a:txBody>
                   <a:tcPr/>
@@ -3743,7 +3768,7 @@
                       </a:r>
                       <a:r>
                         <a:rPr lang="de-DE" dirty="0" err="1"/>
-                        <a:t>start</a:t>
+                        <a:t>standard</a:t>
                       </a:r>
                       <a:r>
                         <a:rPr lang="de-DE" dirty="0"/>
@@ -3755,8 +3780,13 @@
                       </a:r>
                       <a:r>
                         <a:rPr lang="de-DE" dirty="0"/>
-                        <a:t> m</a:t>
-                      </a:r>
+                        <a:t> </a:t>
+                      </a:r>
+                      <a:r>
+                        <a:rPr lang="de-DE" dirty="0" err="1"/>
+                        <a:t>mode</a:t>
+                      </a:r>
+                      <a:endParaRPr lang="de-DE" dirty="0"/>
                     </a:p>
                   </a:txBody>
                   <a:tcPr/>
@@ -3896,11 +3926,11 @@
                       </a:r>
                       <a:r>
                         <a:rPr lang="de-DE" dirty="0"/>
-                        <a:t>; also </a:t>
+                        <a:t>; also Guest </a:t>
                       </a:r>
                       <a:r>
                         <a:rPr lang="de-DE" dirty="0" err="1"/>
-                        <a:t>Guestaccount</a:t>
+                        <a:t>account</a:t>
                       </a:r>
                       <a:r>
                         <a:rPr lang="de-DE" dirty="0"/>
@@ -4222,7 +4252,7 @@
                       </a:r>
                       <a:r>
                         <a:rPr lang="de-DE" dirty="0"/>
-                        <a:t>; Desktop, </a:t>
+                        <a:t>: Desktop, </a:t>
                       </a:r>
                       <a:r>
                         <a:rPr lang="de-DE" dirty="0" err="1"/>
@@ -4249,7 +4279,7 @@
                     <a:bodyPr/>
                     <a:lstStyle/>
                     <a:p>
-                      <a:endParaRPr lang="de-DE"/>
+                      <a:endParaRPr lang="de-DE" dirty="0"/>
                     </a:p>
                   </a:txBody>
                   <a:tcPr/>

--- a/Projektpräsentation.pptx
+++ b/Projektpräsentation.pptx
@@ -4705,6 +4705,48 @@
             <a:endParaRPr lang="de-DE" dirty="0"/>
           </a:p>
           <a:p>
+            <a:r>
+              <a:rPr lang="de-DE" dirty="0"/>
+              <a:t>„Multi-threading“</a:t>
+            </a:r>
+          </a:p>
+          <a:p>
+            <a:pPr lvl="1"/>
+            <a:r>
+              <a:rPr lang="de-DE" dirty="0"/>
+              <a:t>Play loop</a:t>
+            </a:r>
+          </a:p>
+          <a:p>
+            <a:pPr lvl="1"/>
+            <a:r>
+              <a:rPr lang="de-DE" dirty="0" err="1"/>
+              <a:t>Respond</a:t>
+            </a:r>
+            <a:r>
+              <a:rPr lang="de-DE" dirty="0"/>
+              <a:t> </a:t>
+            </a:r>
+            <a:r>
+              <a:rPr lang="de-DE" dirty="0" err="1"/>
+              <a:t>to</a:t>
+            </a:r>
+            <a:r>
+              <a:rPr lang="de-DE" dirty="0"/>
+              <a:t> </a:t>
+            </a:r>
+            <a:r>
+              <a:rPr lang="de-DE" dirty="0" err="1"/>
+              <a:t>user</a:t>
+            </a:r>
+            <a:r>
+              <a:rPr lang="de-DE" dirty="0"/>
+              <a:t> </a:t>
+            </a:r>
+            <a:r>
+              <a:rPr lang="de-DE"/>
+              <a:t>input</a:t>
+            </a:r>
             <a:endParaRPr lang="de-DE" dirty="0"/>
           </a:p>
         </p:txBody>
